--- a/CSS/CSS.pptx
+++ b/CSS/CSS.pptx
@@ -9172,7 +9172,7 @@
           <p:cNvPr id="5" name="Picture 4">
             <a:extLst>
               <a:ext uri="{FF2B5EF4-FFF2-40B4-BE49-F238E27FC236}">
-                <a16:creationId xmlns="" xmlns:a16="http://schemas.microsoft.com/office/drawing/2014/main" id="{B1E82B7F-B800-4D56-83F5-4BC0CA8A8C98}"/>
+                <a16:creationId xmlns:a16="http://schemas.microsoft.com/office/drawing/2014/main" id="{B1E82B7F-B800-4D56-83F5-4BC0CA8A8C98}"/>
               </a:ext>
             </a:extLst>
           </p:cNvPr>
@@ -9202,7 +9202,7 @@
           <p:cNvPr id="4" name="Google Shape;129;p1">
             <a:extLst>
               <a:ext uri="{FF2B5EF4-FFF2-40B4-BE49-F238E27FC236}">
-                <a16:creationId xmlns="" xmlns:a16="http://schemas.microsoft.com/office/drawing/2014/main" id="{2A0670D3-2E34-4D57-AB5C-8366989A1945}"/>
+                <a16:creationId xmlns:a16="http://schemas.microsoft.com/office/drawing/2014/main" id="{2A0670D3-2E34-4D57-AB5C-8366989A1945}"/>
               </a:ext>
             </a:extLst>
           </p:cNvPr>
@@ -9556,7 +9556,7 @@
           <p:cNvPr id="4" name="Google Shape;129;p1">
             <a:extLst>
               <a:ext uri="{FF2B5EF4-FFF2-40B4-BE49-F238E27FC236}">
-                <a16:creationId xmlns="" xmlns:a16="http://schemas.microsoft.com/office/drawing/2014/main" id="{1B29FC10-9465-4874-8E49-726E1B1F9AF3}"/>
+                <a16:creationId xmlns:a16="http://schemas.microsoft.com/office/drawing/2014/main" id="{1B29FC10-9465-4874-8E49-726E1B1F9AF3}"/>
               </a:ext>
             </a:extLst>
           </p:cNvPr>
@@ -10107,7 +10107,7 @@
           <p:cNvPr id="4" name="Google Shape;129;p1">
             <a:extLst>
               <a:ext uri="{FF2B5EF4-FFF2-40B4-BE49-F238E27FC236}">
-                <a16:creationId xmlns="" xmlns:a16="http://schemas.microsoft.com/office/drawing/2014/main" id="{86650936-A7E9-4AF7-83AF-6D21D4D1C3A5}"/>
+                <a16:creationId xmlns:a16="http://schemas.microsoft.com/office/drawing/2014/main" id="{86650936-A7E9-4AF7-83AF-6D21D4D1C3A5}"/>
               </a:ext>
             </a:extLst>
           </p:cNvPr>
@@ -10661,7 +10661,7 @@
           <p:cNvPr id="4" name="Google Shape;129;p1">
             <a:extLst>
               <a:ext uri="{FF2B5EF4-FFF2-40B4-BE49-F238E27FC236}">
-                <a16:creationId xmlns="" xmlns:a16="http://schemas.microsoft.com/office/drawing/2014/main" id="{683ADB59-6953-4D74-9BF6-EF9798C96CC7}"/>
+                <a16:creationId xmlns:a16="http://schemas.microsoft.com/office/drawing/2014/main" id="{683ADB59-6953-4D74-9BF6-EF9798C96CC7}"/>
               </a:ext>
             </a:extLst>
           </p:cNvPr>
@@ -10923,7 +10923,7 @@
           <p:cNvPr id="3" name="Picture 2">
             <a:extLst>
               <a:ext uri="{FF2B5EF4-FFF2-40B4-BE49-F238E27FC236}">
-                <a16:creationId xmlns="" xmlns:a16="http://schemas.microsoft.com/office/drawing/2014/main" id="{C9357D15-F0B5-47BA-9BF3-A2CACC078C51}"/>
+                <a16:creationId xmlns:a16="http://schemas.microsoft.com/office/drawing/2014/main" id="{C9357D15-F0B5-47BA-9BF3-A2CACC078C51}"/>
               </a:ext>
             </a:extLst>
           </p:cNvPr>
@@ -10953,7 +10953,7 @@
           <p:cNvPr id="6" name="Google Shape;129;p1">
             <a:extLst>
               <a:ext uri="{FF2B5EF4-FFF2-40B4-BE49-F238E27FC236}">
-                <a16:creationId xmlns="" xmlns:a16="http://schemas.microsoft.com/office/drawing/2014/main" id="{C0E88206-B65F-4D34-9FF4-B6D4949AB978}"/>
+                <a16:creationId xmlns:a16="http://schemas.microsoft.com/office/drawing/2014/main" id="{C0E88206-B65F-4D34-9FF4-B6D4949AB978}"/>
               </a:ext>
             </a:extLst>
           </p:cNvPr>
@@ -11462,7 +11462,7 @@
           <p:cNvPr id="4" name="Google Shape;129;p1">
             <a:extLst>
               <a:ext uri="{FF2B5EF4-FFF2-40B4-BE49-F238E27FC236}">
-                <a16:creationId xmlns="" xmlns:a16="http://schemas.microsoft.com/office/drawing/2014/main" id="{018E568E-E9C2-46D6-BB47-7D07E4E151E9}"/>
+                <a16:creationId xmlns:a16="http://schemas.microsoft.com/office/drawing/2014/main" id="{018E568E-E9C2-46D6-BB47-7D07E4E151E9}"/>
               </a:ext>
             </a:extLst>
           </p:cNvPr>
@@ -11916,7 +11916,7 @@
           <p:cNvPr id="4" name="Google Shape;129;p1">
             <a:extLst>
               <a:ext uri="{FF2B5EF4-FFF2-40B4-BE49-F238E27FC236}">
-                <a16:creationId xmlns="" xmlns:a16="http://schemas.microsoft.com/office/drawing/2014/main" id="{51091510-19A3-484A-8020-23D7585A5B03}"/>
+                <a16:creationId xmlns:a16="http://schemas.microsoft.com/office/drawing/2014/main" id="{51091510-19A3-484A-8020-23D7585A5B03}"/>
               </a:ext>
             </a:extLst>
           </p:cNvPr>
@@ -12284,7 +12284,7 @@
           <p:cNvPr id="4" name="Google Shape;129;p1">
             <a:extLst>
               <a:ext uri="{FF2B5EF4-FFF2-40B4-BE49-F238E27FC236}">
-                <a16:creationId xmlns="" xmlns:a16="http://schemas.microsoft.com/office/drawing/2014/main" id="{B71EA838-B75E-46B3-9CC7-425AF47C6B68}"/>
+                <a16:creationId xmlns:a16="http://schemas.microsoft.com/office/drawing/2014/main" id="{B71EA838-B75E-46B3-9CC7-425AF47C6B68}"/>
               </a:ext>
             </a:extLst>
           </p:cNvPr>
@@ -12546,7 +12546,7 @@
           <p:cNvPr id="3" name="Picture 2">
             <a:extLst>
               <a:ext uri="{FF2B5EF4-FFF2-40B4-BE49-F238E27FC236}">
-                <a16:creationId xmlns="" xmlns:a16="http://schemas.microsoft.com/office/drawing/2014/main" id="{E2114731-59C7-432D-9325-DC269A6EFD3E}"/>
+                <a16:creationId xmlns:a16="http://schemas.microsoft.com/office/drawing/2014/main" id="{E2114731-59C7-432D-9325-DC269A6EFD3E}"/>
               </a:ext>
             </a:extLst>
           </p:cNvPr>
@@ -12576,7 +12576,7 @@
           <p:cNvPr id="4" name="Google Shape;129;p1">
             <a:extLst>
               <a:ext uri="{FF2B5EF4-FFF2-40B4-BE49-F238E27FC236}">
-                <a16:creationId xmlns="" xmlns:a16="http://schemas.microsoft.com/office/drawing/2014/main" id="{335385A3-0F09-4DE0-826B-1C9C47ACF53A}"/>
+                <a16:creationId xmlns:a16="http://schemas.microsoft.com/office/drawing/2014/main" id="{335385A3-0F09-4DE0-826B-1C9C47ACF53A}"/>
               </a:ext>
             </a:extLst>
           </p:cNvPr>
@@ -13098,7 +13098,7 @@
           <p:cNvPr id="4" name="Google Shape;129;p1">
             <a:extLst>
               <a:ext uri="{FF2B5EF4-FFF2-40B4-BE49-F238E27FC236}">
-                <a16:creationId xmlns="" xmlns:a16="http://schemas.microsoft.com/office/drawing/2014/main" id="{5AA741AF-9239-411A-9CF5-52CB90FCA3AB}"/>
+                <a16:creationId xmlns:a16="http://schemas.microsoft.com/office/drawing/2014/main" id="{5AA741AF-9239-411A-9CF5-52CB90FCA3AB}"/>
               </a:ext>
             </a:extLst>
           </p:cNvPr>
@@ -13637,7 +13637,7 @@
           <p:cNvPr id="4" name="Google Shape;129;p1">
             <a:extLst>
               <a:ext uri="{FF2B5EF4-FFF2-40B4-BE49-F238E27FC236}">
-                <a16:creationId xmlns="" xmlns:a16="http://schemas.microsoft.com/office/drawing/2014/main" id="{67C560F9-B0F3-4DE5-9E0B-9F9BCA288727}"/>
+                <a16:creationId xmlns:a16="http://schemas.microsoft.com/office/drawing/2014/main" id="{67C560F9-B0F3-4DE5-9E0B-9F9BCA288727}"/>
               </a:ext>
             </a:extLst>
           </p:cNvPr>
@@ -14736,7 +14736,7 @@
           <p:cNvPr id="5" name="Google Shape;129;p1">
             <a:extLst>
               <a:ext uri="{FF2B5EF4-FFF2-40B4-BE49-F238E27FC236}">
-                <a16:creationId xmlns="" xmlns:a16="http://schemas.microsoft.com/office/drawing/2014/main" id="{4863A298-DC09-4AB4-9B2A-ACC4EEAEA226}"/>
+                <a16:creationId xmlns:a16="http://schemas.microsoft.com/office/drawing/2014/main" id="{4863A298-DC09-4AB4-9B2A-ACC4EEAEA226}"/>
               </a:ext>
             </a:extLst>
           </p:cNvPr>
@@ -15336,7 +15336,7 @@
           <p:cNvPr id="4" name="Google Shape;129;p1">
             <a:extLst>
               <a:ext uri="{FF2B5EF4-FFF2-40B4-BE49-F238E27FC236}">
-                <a16:creationId xmlns="" xmlns:a16="http://schemas.microsoft.com/office/drawing/2014/main" id="{371D43BD-68DB-42E0-9993-B5DA043830F1}"/>
+                <a16:creationId xmlns:a16="http://schemas.microsoft.com/office/drawing/2014/main" id="{371D43BD-68DB-42E0-9993-B5DA043830F1}"/>
               </a:ext>
             </a:extLst>
           </p:cNvPr>
@@ -15899,7 +15899,7 @@
           <p:cNvPr id="4" name="Google Shape;129;p1">
             <a:extLst>
               <a:ext uri="{FF2B5EF4-FFF2-40B4-BE49-F238E27FC236}">
-                <a16:creationId xmlns="" xmlns:a16="http://schemas.microsoft.com/office/drawing/2014/main" id="{76B25CBA-EECC-4C13-B07F-84C9F85A957F}"/>
+                <a16:creationId xmlns:a16="http://schemas.microsoft.com/office/drawing/2014/main" id="{76B25CBA-EECC-4C13-B07F-84C9F85A957F}"/>
               </a:ext>
             </a:extLst>
           </p:cNvPr>
@@ -16557,7 +16557,7 @@
           <p:cNvPr id="4" name="Google Shape;129;p1">
             <a:extLst>
               <a:ext uri="{FF2B5EF4-FFF2-40B4-BE49-F238E27FC236}">
-                <a16:creationId xmlns="" xmlns:a16="http://schemas.microsoft.com/office/drawing/2014/main" id="{5ED53FD3-3147-42D7-B0C6-E7D142F8D45C}"/>
+                <a16:creationId xmlns:a16="http://schemas.microsoft.com/office/drawing/2014/main" id="{5ED53FD3-3147-42D7-B0C6-E7D142F8D45C}"/>
               </a:ext>
             </a:extLst>
           </p:cNvPr>
@@ -17016,7 +17016,7 @@
           <p:cNvPr id="4" name="Google Shape;129;p1">
             <a:extLst>
               <a:ext uri="{FF2B5EF4-FFF2-40B4-BE49-F238E27FC236}">
-                <a16:creationId xmlns="" xmlns:a16="http://schemas.microsoft.com/office/drawing/2014/main" id="{1E44E071-F39C-4BC0-B549-F373FC176D56}"/>
+                <a16:creationId xmlns:a16="http://schemas.microsoft.com/office/drawing/2014/main" id="{1E44E071-F39C-4BC0-B549-F373FC176D56}"/>
               </a:ext>
             </a:extLst>
           </p:cNvPr>
@@ -17276,15 +17276,6 @@
               </a:rPr>
               <a:t>Tables</a:t>
             </a:r>
-            <a:r>
-              <a:rPr lang="en" sz="4400" b="0" i="0" u="none" strike="noStrike" cap="none" dirty="0">
-                <a:latin typeface="Calibri"/>
-                <a:ea typeface="Calibri"/>
-                <a:cs typeface="Calibri"/>
-                <a:sym typeface="Calibri"/>
-              </a:rPr>
-              <a:t/>
-            </a:r>
             <a:br>
               <a:rPr lang="en" sz="4400" b="0" i="0" u="none" strike="noStrike" cap="none" dirty="0">
                 <a:latin typeface="Calibri"/>
@@ -17512,7 +17503,7 @@
           <p:cNvPr id="4" name="Google Shape;129;p1">
             <a:extLst>
               <a:ext uri="{FF2B5EF4-FFF2-40B4-BE49-F238E27FC236}">
-                <a16:creationId xmlns="" xmlns:a16="http://schemas.microsoft.com/office/drawing/2014/main" id="{7DA9E61E-7C6F-4E3A-A747-4AD81CC1D105}"/>
+                <a16:creationId xmlns:a16="http://schemas.microsoft.com/office/drawing/2014/main" id="{7DA9E61E-7C6F-4E3A-A747-4AD81CC1D105}"/>
               </a:ext>
             </a:extLst>
           </p:cNvPr>
@@ -17785,7 +17776,7 @@
           <p:cNvPr id="3" name="Picture 2">
             <a:extLst>
               <a:ext uri="{FF2B5EF4-FFF2-40B4-BE49-F238E27FC236}">
-                <a16:creationId xmlns="" xmlns:a16="http://schemas.microsoft.com/office/drawing/2014/main" id="{14A11139-CCB2-4D30-8D76-652EA35C149A}"/>
+                <a16:creationId xmlns:a16="http://schemas.microsoft.com/office/drawing/2014/main" id="{14A11139-CCB2-4D30-8D76-652EA35C149A}"/>
               </a:ext>
             </a:extLst>
           </p:cNvPr>
@@ -17815,7 +17806,7 @@
           <p:cNvPr id="4" name="Google Shape;129;p1">
             <a:extLst>
               <a:ext uri="{FF2B5EF4-FFF2-40B4-BE49-F238E27FC236}">
-                <a16:creationId xmlns="" xmlns:a16="http://schemas.microsoft.com/office/drawing/2014/main" id="{1AF80498-7135-40B2-84CA-8B04C26E05F1}"/>
+                <a16:creationId xmlns:a16="http://schemas.microsoft.com/office/drawing/2014/main" id="{1AF80498-7135-40B2-84CA-8B04C26E05F1}"/>
               </a:ext>
             </a:extLst>
           </p:cNvPr>
@@ -18063,18 +18054,6 @@
               </a:rPr>
               <a:t>CSS Border</a:t>
             </a:r>
-            <a:r>
-              <a:rPr lang="en" sz="4400" b="0" i="0" u="none" strike="noStrike" cap="none" dirty="0">
-                <a:solidFill>
-                  <a:srgbClr val="002060"/>
-                </a:solidFill>
-                <a:latin typeface="Calibri"/>
-                <a:ea typeface="Calibri"/>
-                <a:cs typeface="Calibri"/>
-                <a:sym typeface="Calibri"/>
-              </a:rPr>
-              <a:t/>
-            </a:r>
             <a:br>
               <a:rPr lang="en" sz="4400" b="0" i="0" u="none" strike="noStrike" cap="none" dirty="0">
                 <a:solidFill>
@@ -18388,7 +18367,7 @@
           <p:cNvPr id="4" name="Google Shape;129;p1">
             <a:extLst>
               <a:ext uri="{FF2B5EF4-FFF2-40B4-BE49-F238E27FC236}">
-                <a16:creationId xmlns="" xmlns:a16="http://schemas.microsoft.com/office/drawing/2014/main" id="{95862F36-2950-40C0-9E4F-69333C9B3269}"/>
+                <a16:creationId xmlns:a16="http://schemas.microsoft.com/office/drawing/2014/main" id="{95862F36-2950-40C0-9E4F-69333C9B3269}"/>
               </a:ext>
             </a:extLst>
           </p:cNvPr>
@@ -18636,15 +18615,6 @@
               </a:rPr>
               <a:t>Different versions of CSS</a:t>
             </a:r>
-            <a:r>
-              <a:rPr lang="en" sz="4400" i="0" u="none" strike="noStrike" cap="none" dirty="0">
-                <a:latin typeface="+mj-lt"/>
-                <a:ea typeface="Calibri"/>
-                <a:cs typeface="Calibri"/>
-                <a:sym typeface="Calibri"/>
-              </a:rPr>
-              <a:t/>
-            </a:r>
             <a:br>
               <a:rPr lang="en" sz="4400" i="0" u="none" strike="noStrike" cap="none" dirty="0">
                 <a:latin typeface="+mj-lt"/>
@@ -18850,7 +18820,7 @@
           <p:cNvPr id="4" name="Google Shape;129;p1">
             <a:extLst>
               <a:ext uri="{FF2B5EF4-FFF2-40B4-BE49-F238E27FC236}">
-                <a16:creationId xmlns="" xmlns:a16="http://schemas.microsoft.com/office/drawing/2014/main" id="{9058BB8E-E1E5-4F43-906B-750118DC7F77}"/>
+                <a16:creationId xmlns:a16="http://schemas.microsoft.com/office/drawing/2014/main" id="{9058BB8E-E1E5-4F43-906B-750118DC7F77}"/>
               </a:ext>
             </a:extLst>
           </p:cNvPr>
@@ -19328,7 +19298,7 @@
           <p:cNvPr id="5" name="Picture 4">
             <a:extLst>
               <a:ext uri="{FF2B5EF4-FFF2-40B4-BE49-F238E27FC236}">
-                <a16:creationId xmlns="" xmlns:a16="http://schemas.microsoft.com/office/drawing/2014/main" id="{830D8F19-A091-4F0E-A500-B6A5EA80B364}"/>
+                <a16:creationId xmlns:a16="http://schemas.microsoft.com/office/drawing/2014/main" id="{830D8F19-A091-4F0E-A500-B6A5EA80B364}"/>
               </a:ext>
             </a:extLst>
           </p:cNvPr>
@@ -19357,7 +19327,7 @@
           <p:cNvPr id="7" name="Picture 6">
             <a:extLst>
               <a:ext uri="{FF2B5EF4-FFF2-40B4-BE49-F238E27FC236}">
-                <a16:creationId xmlns="" xmlns:a16="http://schemas.microsoft.com/office/drawing/2014/main" id="{844AB9F4-7026-48B8-B144-6963FD9B2708}"/>
+                <a16:creationId xmlns:a16="http://schemas.microsoft.com/office/drawing/2014/main" id="{844AB9F4-7026-48B8-B144-6963FD9B2708}"/>
               </a:ext>
             </a:extLst>
           </p:cNvPr>
@@ -19387,7 +19357,7 @@
           <p:cNvPr id="10" name="Google Shape;129;p1">
             <a:extLst>
               <a:ext uri="{FF2B5EF4-FFF2-40B4-BE49-F238E27FC236}">
-                <a16:creationId xmlns="" xmlns:a16="http://schemas.microsoft.com/office/drawing/2014/main" id="{25084BF6-001B-4B8A-AEA9-9964755F4DA1}"/>
+                <a16:creationId xmlns:a16="http://schemas.microsoft.com/office/drawing/2014/main" id="{25084BF6-001B-4B8A-AEA9-9964755F4DA1}"/>
               </a:ext>
             </a:extLst>
           </p:cNvPr>
@@ -19922,7 +19892,7 @@
           <p:cNvPr id="3" name="Picture 2">
             <a:extLst>
               <a:ext uri="{FF2B5EF4-FFF2-40B4-BE49-F238E27FC236}">
-                <a16:creationId xmlns="" xmlns:a16="http://schemas.microsoft.com/office/drawing/2014/main" id="{47EDAF11-130B-4932-B8DD-D707E5765673}"/>
+                <a16:creationId xmlns:a16="http://schemas.microsoft.com/office/drawing/2014/main" id="{47EDAF11-130B-4932-B8DD-D707E5765673}"/>
               </a:ext>
             </a:extLst>
           </p:cNvPr>
@@ -19952,7 +19922,7 @@
           <p:cNvPr id="5" name="Picture 4">
             <a:extLst>
               <a:ext uri="{FF2B5EF4-FFF2-40B4-BE49-F238E27FC236}">
-                <a16:creationId xmlns="" xmlns:a16="http://schemas.microsoft.com/office/drawing/2014/main" id="{D2C2AF18-8BBD-4204-9BAF-7E0B80A3B8A6}"/>
+                <a16:creationId xmlns:a16="http://schemas.microsoft.com/office/drawing/2014/main" id="{D2C2AF18-8BBD-4204-9BAF-7E0B80A3B8A6}"/>
               </a:ext>
             </a:extLst>
           </p:cNvPr>
@@ -19982,7 +19952,7 @@
           <p:cNvPr id="8" name="Google Shape;129;p1">
             <a:extLst>
               <a:ext uri="{FF2B5EF4-FFF2-40B4-BE49-F238E27FC236}">
-                <a16:creationId xmlns="" xmlns:a16="http://schemas.microsoft.com/office/drawing/2014/main" id="{794EE0E9-B331-4AF5-B23F-5172C6E74473}"/>
+                <a16:creationId xmlns:a16="http://schemas.microsoft.com/office/drawing/2014/main" id="{794EE0E9-B331-4AF5-B23F-5172C6E74473}"/>
               </a:ext>
             </a:extLst>
           </p:cNvPr>
@@ -20602,7 +20572,7 @@
           <p:cNvPr id="3" name="Picture 2">
             <a:extLst>
               <a:ext uri="{FF2B5EF4-FFF2-40B4-BE49-F238E27FC236}">
-                <a16:creationId xmlns="" xmlns:a16="http://schemas.microsoft.com/office/drawing/2014/main" id="{17308157-D747-4F52-BB47-2B81C8009D5F}"/>
+                <a16:creationId xmlns:a16="http://schemas.microsoft.com/office/drawing/2014/main" id="{17308157-D747-4F52-BB47-2B81C8009D5F}"/>
               </a:ext>
             </a:extLst>
           </p:cNvPr>
@@ -20632,7 +20602,7 @@
           <p:cNvPr id="5" name="Google Shape;129;p1">
             <a:extLst>
               <a:ext uri="{FF2B5EF4-FFF2-40B4-BE49-F238E27FC236}">
-                <a16:creationId xmlns="" xmlns:a16="http://schemas.microsoft.com/office/drawing/2014/main" id="{0BFB8663-64F7-4D88-B728-0A3FD99903BF}"/>
+                <a16:creationId xmlns:a16="http://schemas.microsoft.com/office/drawing/2014/main" id="{0BFB8663-64F7-4D88-B728-0A3FD99903BF}"/>
               </a:ext>
             </a:extLst>
           </p:cNvPr>
@@ -21009,7 +20979,7 @@
           <p:cNvPr id="3" name="Picture 2">
             <a:extLst>
               <a:ext uri="{FF2B5EF4-FFF2-40B4-BE49-F238E27FC236}">
-                <a16:creationId xmlns="" xmlns:a16="http://schemas.microsoft.com/office/drawing/2014/main" id="{C4859D1A-8759-430C-ADC1-5E0AB0D0A22E}"/>
+                <a16:creationId xmlns:a16="http://schemas.microsoft.com/office/drawing/2014/main" id="{C4859D1A-8759-430C-ADC1-5E0AB0D0A22E}"/>
               </a:ext>
             </a:extLst>
           </p:cNvPr>
@@ -21038,7 +21008,7 @@
           <p:cNvPr id="6" name="Google Shape;129;p1">
             <a:extLst>
               <a:ext uri="{FF2B5EF4-FFF2-40B4-BE49-F238E27FC236}">
-                <a16:creationId xmlns="" xmlns:a16="http://schemas.microsoft.com/office/drawing/2014/main" id="{E3E9D150-8AD9-4284-8CAF-0BDB30D5685C}"/>
+                <a16:creationId xmlns:a16="http://schemas.microsoft.com/office/drawing/2014/main" id="{E3E9D150-8AD9-4284-8CAF-0BDB30D5685C}"/>
               </a:ext>
             </a:extLst>
           </p:cNvPr>
@@ -21440,7 +21410,7 @@
           <p:cNvPr id="4" name="Google Shape;129;p1">
             <a:extLst>
               <a:ext uri="{FF2B5EF4-FFF2-40B4-BE49-F238E27FC236}">
-                <a16:creationId xmlns="" xmlns:a16="http://schemas.microsoft.com/office/drawing/2014/main" id="{DCFDB1CD-AE48-4F5D-86E4-83C143F5E050}"/>
+                <a16:creationId xmlns:a16="http://schemas.microsoft.com/office/drawing/2014/main" id="{DCFDB1CD-AE48-4F5D-86E4-83C143F5E050}"/>
               </a:ext>
             </a:extLst>
           </p:cNvPr>
@@ -21672,7 +21642,7 @@
           <p:cNvPr id="3" name="Google Shape;129;p1">
             <a:extLst>
               <a:ext uri="{FF2B5EF4-FFF2-40B4-BE49-F238E27FC236}">
-                <a16:creationId xmlns="" xmlns:a16="http://schemas.microsoft.com/office/drawing/2014/main" id="{8824E5EC-E625-4CD9-9379-C534F602885F}"/>
+                <a16:creationId xmlns:a16="http://schemas.microsoft.com/office/drawing/2014/main" id="{8824E5EC-E625-4CD9-9379-C534F602885F}"/>
               </a:ext>
             </a:extLst>
           </p:cNvPr>
@@ -21897,7 +21867,7 @@
           <p:cNvPr id="3" name="Google Shape;129;p1">
             <a:extLst>
               <a:ext uri="{FF2B5EF4-FFF2-40B4-BE49-F238E27FC236}">
-                <a16:creationId xmlns="" xmlns:a16="http://schemas.microsoft.com/office/drawing/2014/main" id="{EFC4EB7C-8F33-4043-8069-24F7192CDF5C}"/>
+                <a16:creationId xmlns:a16="http://schemas.microsoft.com/office/drawing/2014/main" id="{EFC4EB7C-8F33-4043-8069-24F7192CDF5C}"/>
               </a:ext>
             </a:extLst>
           </p:cNvPr>
@@ -22433,7 +22403,7 @@
           <p:cNvPr id="4" name="Google Shape;129;p1">
             <a:extLst>
               <a:ext uri="{FF2B5EF4-FFF2-40B4-BE49-F238E27FC236}">
-                <a16:creationId xmlns="" xmlns:a16="http://schemas.microsoft.com/office/drawing/2014/main" id="{351D23CA-F055-49EA-9807-195B3F84B7F6}"/>
+                <a16:creationId xmlns:a16="http://schemas.microsoft.com/office/drawing/2014/main" id="{351D23CA-F055-49EA-9807-195B3F84B7F6}"/>
               </a:ext>
             </a:extLst>
           </p:cNvPr>
@@ -22811,7 +22781,7 @@
           <p:cNvPr id="5" name="Google Shape;129;p1">
             <a:extLst>
               <a:ext uri="{FF2B5EF4-FFF2-40B4-BE49-F238E27FC236}">
-                <a16:creationId xmlns="" xmlns:a16="http://schemas.microsoft.com/office/drawing/2014/main" id="{523CD130-E95A-4CB5-A31A-AB6F3F0321A3}"/>
+                <a16:creationId xmlns:a16="http://schemas.microsoft.com/office/drawing/2014/main" id="{523CD130-E95A-4CB5-A31A-AB6F3F0321A3}"/>
               </a:ext>
             </a:extLst>
           </p:cNvPr>
@@ -23555,7 +23525,7 @@
         </p:nvSpPr>
         <p:spPr>
           <a:xfrm>
-            <a:off x="457200" y="205978"/>
+            <a:off x="457200" y="213412"/>
             <a:ext cx="8228100" cy="856200"/>
           </a:xfrm>
           <a:prstGeom prst="rect">
@@ -23622,7 +23592,7 @@
         </p:blipFill>
         <p:spPr>
           <a:xfrm>
-            <a:off x="4881966" y="2119884"/>
+            <a:off x="4881966" y="2127318"/>
             <a:ext cx="3803334" cy="1141214"/>
           </a:xfrm>
           <a:prstGeom prst="rect">
@@ -23642,7 +23612,7 @@
         </p:nvSpPr>
         <p:spPr>
           <a:xfrm>
-            <a:off x="930584" y="1062178"/>
+            <a:off x="930584" y="1069612"/>
             <a:ext cx="4210418" cy="3933521"/>
           </a:xfrm>
           <a:prstGeom prst="rect">
@@ -23837,7 +23807,7 @@
           <p:cNvPr id="5" name="Google Shape;129;p1">
             <a:extLst>
               <a:ext uri="{FF2B5EF4-FFF2-40B4-BE49-F238E27FC236}">
-                <a16:creationId xmlns="" xmlns:a16="http://schemas.microsoft.com/office/drawing/2014/main" id="{6304F704-E9A4-43F3-9906-1E1B863AC1A5}"/>
+                <a16:creationId xmlns:a16="http://schemas.microsoft.com/office/drawing/2014/main" id="{6304F704-E9A4-43F3-9906-1E1B863AC1A5}"/>
               </a:ext>
             </a:extLst>
           </p:cNvPr>
@@ -23853,7 +23823,7 @@
         </p:blipFill>
         <p:spPr>
           <a:xfrm>
-            <a:off x="7630510" y="4684354"/>
+            <a:off x="7630510" y="4691788"/>
             <a:ext cx="1233917" cy="266017"/>
           </a:xfrm>
           <a:prstGeom prst="rect">
@@ -24207,7 +24177,7 @@
           <p:cNvPr id="4" name="Google Shape;129;p1">
             <a:extLst>
               <a:ext uri="{FF2B5EF4-FFF2-40B4-BE49-F238E27FC236}">
-                <a16:creationId xmlns="" xmlns:a16="http://schemas.microsoft.com/office/drawing/2014/main" id="{E6F0C3ED-BB5F-4AE6-8D51-E5D4B178F340}"/>
+                <a16:creationId xmlns:a16="http://schemas.microsoft.com/office/drawing/2014/main" id="{E6F0C3ED-BB5F-4AE6-8D51-E5D4B178F340}"/>
               </a:ext>
             </a:extLst>
           </p:cNvPr>
@@ -24469,7 +24439,7 @@
           <p:cNvPr id="3" name="Picture 2">
             <a:extLst>
               <a:ext uri="{FF2B5EF4-FFF2-40B4-BE49-F238E27FC236}">
-                <a16:creationId xmlns="" xmlns:a16="http://schemas.microsoft.com/office/drawing/2014/main" id="{16CD2477-33AD-4243-A873-E0A58A164283}"/>
+                <a16:creationId xmlns:a16="http://schemas.microsoft.com/office/drawing/2014/main" id="{16CD2477-33AD-4243-A873-E0A58A164283}"/>
               </a:ext>
             </a:extLst>
           </p:cNvPr>
@@ -24486,7 +24456,7 @@
         </p:blipFill>
         <p:spPr>
           <a:xfrm>
-            <a:off x="1535103" y="981386"/>
+            <a:off x="951979" y="981386"/>
             <a:ext cx="7468642" cy="3381847"/>
           </a:xfrm>
           <a:prstGeom prst="rect">
@@ -24499,7 +24469,7 @@
           <p:cNvPr id="4" name="Google Shape;129;p1">
             <a:extLst>
               <a:ext uri="{FF2B5EF4-FFF2-40B4-BE49-F238E27FC236}">
-                <a16:creationId xmlns="" xmlns:a16="http://schemas.microsoft.com/office/drawing/2014/main" id="{00629B06-6640-41FF-9435-0D679234A126}"/>
+                <a16:creationId xmlns:a16="http://schemas.microsoft.com/office/drawing/2014/main" id="{00629B06-6640-41FF-9435-0D679234A126}"/>
               </a:ext>
             </a:extLst>
           </p:cNvPr>
